--- a/KIWI_Usecase Diagram & DataBase Modeling.pptx
+++ b/KIWI_Usecase Diagram & DataBase Modeling.pptx
@@ -20,12 +20,12 @@
   <p:notesSz cx="6858000" cy="9144000"/>
   <p:embeddedFontLst>
     <p:embeddedFont>
-      <p:font typeface="맑은 고딕" panose="020B0503020000020004" pitchFamily="50" charset="-127"/>
+      <p:font typeface="나눔바른고딕" panose="020B0600000101010101" charset="-127"/>
       <p:regular r:id="rId10"/>
       <p:bold r:id="rId11"/>
     </p:embeddedFont>
     <p:embeddedFont>
-      <p:font typeface="나눔바른고딕" panose="020B0600000101010101" charset="-127"/>
+      <p:font typeface="맑은 고딕" panose="020B0503020000020004" pitchFamily="50" charset="-127"/>
       <p:regular r:id="rId12"/>
       <p:bold r:id="rId13"/>
     </p:embeddedFont>
@@ -5072,7 +5072,12 @@
             <p:ph type="subTitle" idx="1"/>
           </p:nvPr>
         </p:nvSpPr>
-        <p:spPr/>
+        <p:spPr>
+          <a:xfrm>
+            <a:off x="2087724" y="4509120"/>
+            <a:ext cx="4968552" cy="1129680"/>
+          </a:xfrm>
+        </p:spPr>
         <p:txBody>
           <a:bodyPr/>
           <a:lstStyle/>
